--- a/2020/8月/27-8-20.pptx
+++ b/2020/8月/27-8-20.pptx
@@ -142,7 +142,7 @@
           <p:cNvPr id="2" name="標題 1">
             <a:extLst>
               <a:ext uri="{FF2B5EF4-FFF2-40B4-BE49-F238E27FC236}">
-                <a16:creationId xmlns="" xmlns:a16="http://schemas.microsoft.com/office/drawing/2014/main" id="{27B79AC0-7928-9343-8C78-AAC939954A45}"/>
+                <a16:creationId xmlns:a16="http://schemas.microsoft.com/office/drawing/2014/main" xmlns="" id="{27B79AC0-7928-9343-8C78-AAC939954A45}"/>
               </a:ext>
             </a:extLst>
           </p:cNvPr>
@@ -180,7 +180,7 @@
           <p:cNvPr id="3" name="副標題 2">
             <a:extLst>
               <a:ext uri="{FF2B5EF4-FFF2-40B4-BE49-F238E27FC236}">
-                <a16:creationId xmlns="" xmlns:a16="http://schemas.microsoft.com/office/drawing/2014/main" id="{3DE3FC60-EFAE-684A-9FA0-E66B81DDD84A}"/>
+                <a16:creationId xmlns:a16="http://schemas.microsoft.com/office/drawing/2014/main" xmlns="" id="{3DE3FC60-EFAE-684A-9FA0-E66B81DDD84A}"/>
               </a:ext>
             </a:extLst>
           </p:cNvPr>
@@ -251,7 +251,7 @@
           <p:cNvPr id="4" name="日期版面配置區 3">
             <a:extLst>
               <a:ext uri="{FF2B5EF4-FFF2-40B4-BE49-F238E27FC236}">
-                <a16:creationId xmlns="" xmlns:a16="http://schemas.microsoft.com/office/drawing/2014/main" id="{CB6CA4BA-5AF5-A647-9067-C55F346B6103}"/>
+                <a16:creationId xmlns:a16="http://schemas.microsoft.com/office/drawing/2014/main" xmlns="" id="{CB6CA4BA-5AF5-A647-9067-C55F346B6103}"/>
               </a:ext>
             </a:extLst>
           </p:cNvPr>
@@ -270,7 +270,7 @@
             <a:fld id="{DBF92561-729A-48D5-94E6-9267DA349FF4}" type="datetimeFigureOut">
               <a:rPr lang="zh-TW" altLang="en-US" smtClean="0"/>
               <a:pPr/>
-              <a:t>2020/8/23</a:t>
+              <a:t>2020/8/25</a:t>
             </a:fld>
             <a:endParaRPr lang="zh-TW" altLang="en-US"/>
           </a:p>
@@ -281,7 +281,7 @@
           <p:cNvPr id="5" name="頁尾版面配置區 4">
             <a:extLst>
               <a:ext uri="{FF2B5EF4-FFF2-40B4-BE49-F238E27FC236}">
-                <a16:creationId xmlns="" xmlns:a16="http://schemas.microsoft.com/office/drawing/2014/main" id="{A7634027-CA21-CF40-8B70-5D56EEBC4CEB}"/>
+                <a16:creationId xmlns:a16="http://schemas.microsoft.com/office/drawing/2014/main" xmlns="" id="{A7634027-CA21-CF40-8B70-5D56EEBC4CEB}"/>
               </a:ext>
             </a:extLst>
           </p:cNvPr>
@@ -306,7 +306,7 @@
           <p:cNvPr id="6" name="投影片編號版面配置區 5">
             <a:extLst>
               <a:ext uri="{FF2B5EF4-FFF2-40B4-BE49-F238E27FC236}">
-                <a16:creationId xmlns="" xmlns:a16="http://schemas.microsoft.com/office/drawing/2014/main" id="{AB67B8E7-EE8F-A241-AE25-94790F58C1B3}"/>
+                <a16:creationId xmlns:a16="http://schemas.microsoft.com/office/drawing/2014/main" xmlns="" id="{AB67B8E7-EE8F-A241-AE25-94790F58C1B3}"/>
               </a:ext>
             </a:extLst>
           </p:cNvPr>
@@ -334,7 +334,7 @@
     </p:spTree>
     <p:extLst>
       <p:ext uri="{BB962C8B-B14F-4D97-AF65-F5344CB8AC3E}">
-        <p14:creationId xmlns="" xmlns:p14="http://schemas.microsoft.com/office/powerpoint/2010/main" val="1196898141"/>
+        <p14:creationId xmlns:p14="http://schemas.microsoft.com/office/powerpoint/2010/main" xmlns="" val="1196898141"/>
       </p:ext>
     </p:extLst>
   </p:cSld>
@@ -366,7 +366,7 @@
           <p:cNvPr id="2" name="標題 1">
             <a:extLst>
               <a:ext uri="{FF2B5EF4-FFF2-40B4-BE49-F238E27FC236}">
-                <a16:creationId xmlns="" xmlns:a16="http://schemas.microsoft.com/office/drawing/2014/main" id="{D86B87FC-94DE-7746-ABB1-01CABCA7697F}"/>
+                <a16:creationId xmlns:a16="http://schemas.microsoft.com/office/drawing/2014/main" xmlns="" id="{D86B87FC-94DE-7746-ABB1-01CABCA7697F}"/>
               </a:ext>
             </a:extLst>
           </p:cNvPr>
@@ -395,7 +395,7 @@
           <p:cNvPr id="3" name="直排文字版面配置區 2">
             <a:extLst>
               <a:ext uri="{FF2B5EF4-FFF2-40B4-BE49-F238E27FC236}">
-                <a16:creationId xmlns="" xmlns:a16="http://schemas.microsoft.com/office/drawing/2014/main" id="{68D58F08-229D-1C46-A0D9-BC211CC285F3}"/>
+                <a16:creationId xmlns:a16="http://schemas.microsoft.com/office/drawing/2014/main" xmlns="" id="{68D58F08-229D-1C46-A0D9-BC211CC285F3}"/>
               </a:ext>
             </a:extLst>
           </p:cNvPr>
@@ -453,7 +453,7 @@
           <p:cNvPr id="4" name="日期版面配置區 3">
             <a:extLst>
               <a:ext uri="{FF2B5EF4-FFF2-40B4-BE49-F238E27FC236}">
-                <a16:creationId xmlns="" xmlns:a16="http://schemas.microsoft.com/office/drawing/2014/main" id="{4FAC3F36-09FC-D842-B76B-A21FAB8295A9}"/>
+                <a16:creationId xmlns:a16="http://schemas.microsoft.com/office/drawing/2014/main" xmlns="" id="{4FAC3F36-09FC-D842-B76B-A21FAB8295A9}"/>
               </a:ext>
             </a:extLst>
           </p:cNvPr>
@@ -472,7 +472,7 @@
             <a:fld id="{DBF92561-729A-48D5-94E6-9267DA349FF4}" type="datetimeFigureOut">
               <a:rPr lang="zh-TW" altLang="en-US" smtClean="0"/>
               <a:pPr/>
-              <a:t>2020/8/23</a:t>
+              <a:t>2020/8/25</a:t>
             </a:fld>
             <a:endParaRPr lang="zh-TW" altLang="en-US"/>
           </a:p>
@@ -483,7 +483,7 @@
           <p:cNvPr id="5" name="頁尾版面配置區 4">
             <a:extLst>
               <a:ext uri="{FF2B5EF4-FFF2-40B4-BE49-F238E27FC236}">
-                <a16:creationId xmlns="" xmlns:a16="http://schemas.microsoft.com/office/drawing/2014/main" id="{D6560A3C-D2CF-B143-B86B-AEAABA2B789E}"/>
+                <a16:creationId xmlns:a16="http://schemas.microsoft.com/office/drawing/2014/main" xmlns="" id="{D6560A3C-D2CF-B143-B86B-AEAABA2B789E}"/>
               </a:ext>
             </a:extLst>
           </p:cNvPr>
@@ -508,7 +508,7 @@
           <p:cNvPr id="6" name="投影片編號版面配置區 5">
             <a:extLst>
               <a:ext uri="{FF2B5EF4-FFF2-40B4-BE49-F238E27FC236}">
-                <a16:creationId xmlns="" xmlns:a16="http://schemas.microsoft.com/office/drawing/2014/main" id="{A9E247BE-A6FD-BF49-9E20-E574CC72198F}"/>
+                <a16:creationId xmlns:a16="http://schemas.microsoft.com/office/drawing/2014/main" xmlns="" id="{A9E247BE-A6FD-BF49-9E20-E574CC72198F}"/>
               </a:ext>
             </a:extLst>
           </p:cNvPr>
@@ -536,7 +536,7 @@
     </p:spTree>
     <p:extLst>
       <p:ext uri="{BB962C8B-B14F-4D97-AF65-F5344CB8AC3E}">
-        <p14:creationId xmlns="" xmlns:p14="http://schemas.microsoft.com/office/powerpoint/2010/main" val="1723068653"/>
+        <p14:creationId xmlns:p14="http://schemas.microsoft.com/office/powerpoint/2010/main" xmlns="" val="1723068653"/>
       </p:ext>
     </p:extLst>
   </p:cSld>
@@ -568,7 +568,7 @@
           <p:cNvPr id="2" name="直排標題 1">
             <a:extLst>
               <a:ext uri="{FF2B5EF4-FFF2-40B4-BE49-F238E27FC236}">
-                <a16:creationId xmlns="" xmlns:a16="http://schemas.microsoft.com/office/drawing/2014/main" id="{BD87D0FE-C482-B84F-B9AB-5ED26E959B29}"/>
+                <a16:creationId xmlns:a16="http://schemas.microsoft.com/office/drawing/2014/main" xmlns="" id="{BD87D0FE-C482-B84F-B9AB-5ED26E959B29}"/>
               </a:ext>
             </a:extLst>
           </p:cNvPr>
@@ -602,7 +602,7 @@
           <p:cNvPr id="3" name="直排文字版面配置區 2">
             <a:extLst>
               <a:ext uri="{FF2B5EF4-FFF2-40B4-BE49-F238E27FC236}">
-                <a16:creationId xmlns="" xmlns:a16="http://schemas.microsoft.com/office/drawing/2014/main" id="{06FA9086-1179-9246-A3C7-FD25C2FDE010}"/>
+                <a16:creationId xmlns:a16="http://schemas.microsoft.com/office/drawing/2014/main" xmlns="" id="{06FA9086-1179-9246-A3C7-FD25C2FDE010}"/>
               </a:ext>
             </a:extLst>
           </p:cNvPr>
@@ -665,7 +665,7 @@
           <p:cNvPr id="4" name="日期版面配置區 3">
             <a:extLst>
               <a:ext uri="{FF2B5EF4-FFF2-40B4-BE49-F238E27FC236}">
-                <a16:creationId xmlns="" xmlns:a16="http://schemas.microsoft.com/office/drawing/2014/main" id="{6FCADEC9-D8B5-9649-8939-93E2B8443193}"/>
+                <a16:creationId xmlns:a16="http://schemas.microsoft.com/office/drawing/2014/main" xmlns="" id="{6FCADEC9-D8B5-9649-8939-93E2B8443193}"/>
               </a:ext>
             </a:extLst>
           </p:cNvPr>
@@ -684,7 +684,7 @@
             <a:fld id="{DBF92561-729A-48D5-94E6-9267DA349FF4}" type="datetimeFigureOut">
               <a:rPr lang="zh-TW" altLang="en-US" smtClean="0"/>
               <a:pPr/>
-              <a:t>2020/8/23</a:t>
+              <a:t>2020/8/25</a:t>
             </a:fld>
             <a:endParaRPr lang="zh-TW" altLang="en-US"/>
           </a:p>
@@ -695,7 +695,7 @@
           <p:cNvPr id="5" name="頁尾版面配置區 4">
             <a:extLst>
               <a:ext uri="{FF2B5EF4-FFF2-40B4-BE49-F238E27FC236}">
-                <a16:creationId xmlns="" xmlns:a16="http://schemas.microsoft.com/office/drawing/2014/main" id="{39039A25-D0AE-3049-B065-84E377400319}"/>
+                <a16:creationId xmlns:a16="http://schemas.microsoft.com/office/drawing/2014/main" xmlns="" id="{39039A25-D0AE-3049-B065-84E377400319}"/>
               </a:ext>
             </a:extLst>
           </p:cNvPr>
@@ -720,7 +720,7 @@
           <p:cNvPr id="6" name="投影片編號版面配置區 5">
             <a:extLst>
               <a:ext uri="{FF2B5EF4-FFF2-40B4-BE49-F238E27FC236}">
-                <a16:creationId xmlns="" xmlns:a16="http://schemas.microsoft.com/office/drawing/2014/main" id="{A1C92E14-7840-234E-939D-3785BA1B6D06}"/>
+                <a16:creationId xmlns:a16="http://schemas.microsoft.com/office/drawing/2014/main" xmlns="" id="{A1C92E14-7840-234E-939D-3785BA1B6D06}"/>
               </a:ext>
             </a:extLst>
           </p:cNvPr>
@@ -748,7 +748,7 @@
     </p:spTree>
     <p:extLst>
       <p:ext uri="{BB962C8B-B14F-4D97-AF65-F5344CB8AC3E}">
-        <p14:creationId xmlns="" xmlns:p14="http://schemas.microsoft.com/office/powerpoint/2010/main" val="2348373438"/>
+        <p14:creationId xmlns:p14="http://schemas.microsoft.com/office/powerpoint/2010/main" xmlns="" val="2348373438"/>
       </p:ext>
     </p:extLst>
   </p:cSld>
@@ -780,7 +780,7 @@
           <p:cNvPr id="2" name="標題 1">
             <a:extLst>
               <a:ext uri="{FF2B5EF4-FFF2-40B4-BE49-F238E27FC236}">
-                <a16:creationId xmlns="" xmlns:a16="http://schemas.microsoft.com/office/drawing/2014/main" id="{75EDAD20-E690-BF46-9294-134D90D4E613}"/>
+                <a16:creationId xmlns:a16="http://schemas.microsoft.com/office/drawing/2014/main" xmlns="" id="{75EDAD20-E690-BF46-9294-134D90D4E613}"/>
               </a:ext>
             </a:extLst>
           </p:cNvPr>
@@ -809,7 +809,7 @@
           <p:cNvPr id="3" name="內容版面配置區 2">
             <a:extLst>
               <a:ext uri="{FF2B5EF4-FFF2-40B4-BE49-F238E27FC236}">
-                <a16:creationId xmlns="" xmlns:a16="http://schemas.microsoft.com/office/drawing/2014/main" id="{1452F9BF-68C8-DB4F-A3EE-257F86305D79}"/>
+                <a16:creationId xmlns:a16="http://schemas.microsoft.com/office/drawing/2014/main" xmlns="" id="{1452F9BF-68C8-DB4F-A3EE-257F86305D79}"/>
               </a:ext>
             </a:extLst>
           </p:cNvPr>
@@ -867,7 +867,7 @@
           <p:cNvPr id="4" name="日期版面配置區 3">
             <a:extLst>
               <a:ext uri="{FF2B5EF4-FFF2-40B4-BE49-F238E27FC236}">
-                <a16:creationId xmlns="" xmlns:a16="http://schemas.microsoft.com/office/drawing/2014/main" id="{836536D0-89A7-A246-99D1-AB53927DDAAD}"/>
+                <a16:creationId xmlns:a16="http://schemas.microsoft.com/office/drawing/2014/main" xmlns="" id="{836536D0-89A7-A246-99D1-AB53927DDAAD}"/>
               </a:ext>
             </a:extLst>
           </p:cNvPr>
@@ -886,7 +886,7 @@
             <a:fld id="{DBF92561-729A-48D5-94E6-9267DA349FF4}" type="datetimeFigureOut">
               <a:rPr lang="zh-TW" altLang="en-US" smtClean="0"/>
               <a:pPr/>
-              <a:t>2020/8/23</a:t>
+              <a:t>2020/8/25</a:t>
             </a:fld>
             <a:endParaRPr lang="zh-TW" altLang="en-US"/>
           </a:p>
@@ -897,7 +897,7 @@
           <p:cNvPr id="5" name="頁尾版面配置區 4">
             <a:extLst>
               <a:ext uri="{FF2B5EF4-FFF2-40B4-BE49-F238E27FC236}">
-                <a16:creationId xmlns="" xmlns:a16="http://schemas.microsoft.com/office/drawing/2014/main" id="{B0356FA5-A675-9E42-B2B3-E620B1D26BA3}"/>
+                <a16:creationId xmlns:a16="http://schemas.microsoft.com/office/drawing/2014/main" xmlns="" id="{B0356FA5-A675-9E42-B2B3-E620B1D26BA3}"/>
               </a:ext>
             </a:extLst>
           </p:cNvPr>
@@ -922,7 +922,7 @@
           <p:cNvPr id="6" name="投影片編號版面配置區 5">
             <a:extLst>
               <a:ext uri="{FF2B5EF4-FFF2-40B4-BE49-F238E27FC236}">
-                <a16:creationId xmlns="" xmlns:a16="http://schemas.microsoft.com/office/drawing/2014/main" id="{457FB4EE-EC73-1E46-9A87-3156344408BB}"/>
+                <a16:creationId xmlns:a16="http://schemas.microsoft.com/office/drawing/2014/main" xmlns="" id="{457FB4EE-EC73-1E46-9A87-3156344408BB}"/>
               </a:ext>
             </a:extLst>
           </p:cNvPr>
@@ -950,7 +950,7 @@
     </p:spTree>
     <p:extLst>
       <p:ext uri="{BB962C8B-B14F-4D97-AF65-F5344CB8AC3E}">
-        <p14:creationId xmlns="" xmlns:p14="http://schemas.microsoft.com/office/powerpoint/2010/main" val="1131988018"/>
+        <p14:creationId xmlns:p14="http://schemas.microsoft.com/office/powerpoint/2010/main" xmlns="" val="1131988018"/>
       </p:ext>
     </p:extLst>
   </p:cSld>
@@ -982,7 +982,7 @@
           <p:cNvPr id="2" name="標題 1">
             <a:extLst>
               <a:ext uri="{FF2B5EF4-FFF2-40B4-BE49-F238E27FC236}">
-                <a16:creationId xmlns="" xmlns:a16="http://schemas.microsoft.com/office/drawing/2014/main" id="{365FD14A-287E-9043-BC73-577CBC231CBC}"/>
+                <a16:creationId xmlns:a16="http://schemas.microsoft.com/office/drawing/2014/main" xmlns="" id="{365FD14A-287E-9043-BC73-577CBC231CBC}"/>
               </a:ext>
             </a:extLst>
           </p:cNvPr>
@@ -1020,7 +1020,7 @@
           <p:cNvPr id="3" name="文字版面配置區 2">
             <a:extLst>
               <a:ext uri="{FF2B5EF4-FFF2-40B4-BE49-F238E27FC236}">
-                <a16:creationId xmlns="" xmlns:a16="http://schemas.microsoft.com/office/drawing/2014/main" id="{6FDC0F35-41C3-AB40-B496-A4294862EF29}"/>
+                <a16:creationId xmlns:a16="http://schemas.microsoft.com/office/drawing/2014/main" xmlns="" id="{6FDC0F35-41C3-AB40-B496-A4294862EF29}"/>
               </a:ext>
             </a:extLst>
           </p:cNvPr>
@@ -1145,7 +1145,7 @@
           <p:cNvPr id="4" name="日期版面配置區 3">
             <a:extLst>
               <a:ext uri="{FF2B5EF4-FFF2-40B4-BE49-F238E27FC236}">
-                <a16:creationId xmlns="" xmlns:a16="http://schemas.microsoft.com/office/drawing/2014/main" id="{0B71AE8E-1D5F-9E41-94DE-D584AEA312AD}"/>
+                <a16:creationId xmlns:a16="http://schemas.microsoft.com/office/drawing/2014/main" xmlns="" id="{0B71AE8E-1D5F-9E41-94DE-D584AEA312AD}"/>
               </a:ext>
             </a:extLst>
           </p:cNvPr>
@@ -1164,7 +1164,7 @@
             <a:fld id="{DBF92561-729A-48D5-94E6-9267DA349FF4}" type="datetimeFigureOut">
               <a:rPr lang="zh-TW" altLang="en-US" smtClean="0"/>
               <a:pPr/>
-              <a:t>2020/8/23</a:t>
+              <a:t>2020/8/25</a:t>
             </a:fld>
             <a:endParaRPr lang="zh-TW" altLang="en-US"/>
           </a:p>
@@ -1175,7 +1175,7 @@
           <p:cNvPr id="5" name="頁尾版面配置區 4">
             <a:extLst>
               <a:ext uri="{FF2B5EF4-FFF2-40B4-BE49-F238E27FC236}">
-                <a16:creationId xmlns="" xmlns:a16="http://schemas.microsoft.com/office/drawing/2014/main" id="{E492038E-A4DE-D144-B0A3-02FE841E7968}"/>
+                <a16:creationId xmlns:a16="http://schemas.microsoft.com/office/drawing/2014/main" xmlns="" id="{E492038E-A4DE-D144-B0A3-02FE841E7968}"/>
               </a:ext>
             </a:extLst>
           </p:cNvPr>
@@ -1200,7 +1200,7 @@
           <p:cNvPr id="6" name="投影片編號版面配置區 5">
             <a:extLst>
               <a:ext uri="{FF2B5EF4-FFF2-40B4-BE49-F238E27FC236}">
-                <a16:creationId xmlns="" xmlns:a16="http://schemas.microsoft.com/office/drawing/2014/main" id="{8859A330-6496-7E4A-BBB8-3EC6731617AF}"/>
+                <a16:creationId xmlns:a16="http://schemas.microsoft.com/office/drawing/2014/main" xmlns="" id="{8859A330-6496-7E4A-BBB8-3EC6731617AF}"/>
               </a:ext>
             </a:extLst>
           </p:cNvPr>
@@ -1228,7 +1228,7 @@
     </p:spTree>
     <p:extLst>
       <p:ext uri="{BB962C8B-B14F-4D97-AF65-F5344CB8AC3E}">
-        <p14:creationId xmlns="" xmlns:p14="http://schemas.microsoft.com/office/powerpoint/2010/main" val="131328153"/>
+        <p14:creationId xmlns:p14="http://schemas.microsoft.com/office/powerpoint/2010/main" xmlns="" val="131328153"/>
       </p:ext>
     </p:extLst>
   </p:cSld>
@@ -1260,7 +1260,7 @@
           <p:cNvPr id="2" name="標題 1">
             <a:extLst>
               <a:ext uri="{FF2B5EF4-FFF2-40B4-BE49-F238E27FC236}">
-                <a16:creationId xmlns="" xmlns:a16="http://schemas.microsoft.com/office/drawing/2014/main" id="{AB687D18-028B-0845-8CED-187771D64796}"/>
+                <a16:creationId xmlns:a16="http://schemas.microsoft.com/office/drawing/2014/main" xmlns="" id="{AB687D18-028B-0845-8CED-187771D64796}"/>
               </a:ext>
             </a:extLst>
           </p:cNvPr>
@@ -1289,7 +1289,7 @@
           <p:cNvPr id="3" name="內容版面配置區 2">
             <a:extLst>
               <a:ext uri="{FF2B5EF4-FFF2-40B4-BE49-F238E27FC236}">
-                <a16:creationId xmlns="" xmlns:a16="http://schemas.microsoft.com/office/drawing/2014/main" id="{457191B1-BC02-2341-9467-94C77F829BD0}"/>
+                <a16:creationId xmlns:a16="http://schemas.microsoft.com/office/drawing/2014/main" xmlns="" id="{457191B1-BC02-2341-9467-94C77F829BD0}"/>
               </a:ext>
             </a:extLst>
           </p:cNvPr>
@@ -1352,7 +1352,7 @@
           <p:cNvPr id="4" name="內容版面配置區 3">
             <a:extLst>
               <a:ext uri="{FF2B5EF4-FFF2-40B4-BE49-F238E27FC236}">
-                <a16:creationId xmlns="" xmlns:a16="http://schemas.microsoft.com/office/drawing/2014/main" id="{722F3B6D-8CB9-EA46-AA0C-C9BC215392C9}"/>
+                <a16:creationId xmlns:a16="http://schemas.microsoft.com/office/drawing/2014/main" xmlns="" id="{722F3B6D-8CB9-EA46-AA0C-C9BC215392C9}"/>
               </a:ext>
             </a:extLst>
           </p:cNvPr>
@@ -1415,7 +1415,7 @@
           <p:cNvPr id="5" name="日期版面配置區 4">
             <a:extLst>
               <a:ext uri="{FF2B5EF4-FFF2-40B4-BE49-F238E27FC236}">
-                <a16:creationId xmlns="" xmlns:a16="http://schemas.microsoft.com/office/drawing/2014/main" id="{E7A1CA2E-A430-104C-BC00-9B5FBCC09561}"/>
+                <a16:creationId xmlns:a16="http://schemas.microsoft.com/office/drawing/2014/main" xmlns="" id="{E7A1CA2E-A430-104C-BC00-9B5FBCC09561}"/>
               </a:ext>
             </a:extLst>
           </p:cNvPr>
@@ -1434,7 +1434,7 @@
             <a:fld id="{DBF92561-729A-48D5-94E6-9267DA349FF4}" type="datetimeFigureOut">
               <a:rPr lang="zh-TW" altLang="en-US" smtClean="0"/>
               <a:pPr/>
-              <a:t>2020/8/23</a:t>
+              <a:t>2020/8/25</a:t>
             </a:fld>
             <a:endParaRPr lang="zh-TW" altLang="en-US"/>
           </a:p>
@@ -1445,7 +1445,7 @@
           <p:cNvPr id="6" name="頁尾版面配置區 5">
             <a:extLst>
               <a:ext uri="{FF2B5EF4-FFF2-40B4-BE49-F238E27FC236}">
-                <a16:creationId xmlns="" xmlns:a16="http://schemas.microsoft.com/office/drawing/2014/main" id="{CF335ED1-CA79-494F-9E70-5CC91B0AC79E}"/>
+                <a16:creationId xmlns:a16="http://schemas.microsoft.com/office/drawing/2014/main" xmlns="" id="{CF335ED1-CA79-494F-9E70-5CC91B0AC79E}"/>
               </a:ext>
             </a:extLst>
           </p:cNvPr>
@@ -1470,7 +1470,7 @@
           <p:cNvPr id="7" name="投影片編號版面配置區 6">
             <a:extLst>
               <a:ext uri="{FF2B5EF4-FFF2-40B4-BE49-F238E27FC236}">
-                <a16:creationId xmlns="" xmlns:a16="http://schemas.microsoft.com/office/drawing/2014/main" id="{01D97139-F680-134D-AF75-869A219C83DA}"/>
+                <a16:creationId xmlns:a16="http://schemas.microsoft.com/office/drawing/2014/main" xmlns="" id="{01D97139-F680-134D-AF75-869A219C83DA}"/>
               </a:ext>
             </a:extLst>
           </p:cNvPr>
@@ -1498,7 +1498,7 @@
     </p:spTree>
     <p:extLst>
       <p:ext uri="{BB962C8B-B14F-4D97-AF65-F5344CB8AC3E}">
-        <p14:creationId xmlns="" xmlns:p14="http://schemas.microsoft.com/office/powerpoint/2010/main" val="1305086804"/>
+        <p14:creationId xmlns:p14="http://schemas.microsoft.com/office/powerpoint/2010/main" xmlns="" val="1305086804"/>
       </p:ext>
     </p:extLst>
   </p:cSld>
@@ -1530,7 +1530,7 @@
           <p:cNvPr id="2" name="標題 1">
             <a:extLst>
               <a:ext uri="{FF2B5EF4-FFF2-40B4-BE49-F238E27FC236}">
-                <a16:creationId xmlns="" xmlns:a16="http://schemas.microsoft.com/office/drawing/2014/main" id="{A750817C-A1FB-D940-B528-6076B122ED87}"/>
+                <a16:creationId xmlns:a16="http://schemas.microsoft.com/office/drawing/2014/main" xmlns="" id="{A750817C-A1FB-D940-B528-6076B122ED87}"/>
               </a:ext>
             </a:extLst>
           </p:cNvPr>
@@ -1564,7 +1564,7 @@
           <p:cNvPr id="3" name="文字版面配置區 2">
             <a:extLst>
               <a:ext uri="{FF2B5EF4-FFF2-40B4-BE49-F238E27FC236}">
-                <a16:creationId xmlns="" xmlns:a16="http://schemas.microsoft.com/office/drawing/2014/main" id="{1B18E274-424B-B44B-88B6-9136C4782432}"/>
+                <a16:creationId xmlns:a16="http://schemas.microsoft.com/office/drawing/2014/main" xmlns="" id="{1B18E274-424B-B44B-88B6-9136C4782432}"/>
               </a:ext>
             </a:extLst>
           </p:cNvPr>
@@ -1635,7 +1635,7 @@
           <p:cNvPr id="4" name="內容版面配置區 3">
             <a:extLst>
               <a:ext uri="{FF2B5EF4-FFF2-40B4-BE49-F238E27FC236}">
-                <a16:creationId xmlns="" xmlns:a16="http://schemas.microsoft.com/office/drawing/2014/main" id="{B9D3EF21-4D10-7643-9932-7F56DC5659B5}"/>
+                <a16:creationId xmlns:a16="http://schemas.microsoft.com/office/drawing/2014/main" xmlns="" id="{B9D3EF21-4D10-7643-9932-7F56DC5659B5}"/>
               </a:ext>
             </a:extLst>
           </p:cNvPr>
@@ -1698,7 +1698,7 @@
           <p:cNvPr id="5" name="文字版面配置區 4">
             <a:extLst>
               <a:ext uri="{FF2B5EF4-FFF2-40B4-BE49-F238E27FC236}">
-                <a16:creationId xmlns="" xmlns:a16="http://schemas.microsoft.com/office/drawing/2014/main" id="{4C173525-18EB-6D4E-BA31-505582E28B88}"/>
+                <a16:creationId xmlns:a16="http://schemas.microsoft.com/office/drawing/2014/main" xmlns="" id="{4C173525-18EB-6D4E-BA31-505582E28B88}"/>
               </a:ext>
             </a:extLst>
           </p:cNvPr>
@@ -1769,7 +1769,7 @@
           <p:cNvPr id="6" name="內容版面配置區 5">
             <a:extLst>
               <a:ext uri="{FF2B5EF4-FFF2-40B4-BE49-F238E27FC236}">
-                <a16:creationId xmlns="" xmlns:a16="http://schemas.microsoft.com/office/drawing/2014/main" id="{948EE87D-E74A-F043-B283-9BDCFC4AEA59}"/>
+                <a16:creationId xmlns:a16="http://schemas.microsoft.com/office/drawing/2014/main" xmlns="" id="{948EE87D-E74A-F043-B283-9BDCFC4AEA59}"/>
               </a:ext>
             </a:extLst>
           </p:cNvPr>
@@ -1832,7 +1832,7 @@
           <p:cNvPr id="7" name="日期版面配置區 6">
             <a:extLst>
               <a:ext uri="{FF2B5EF4-FFF2-40B4-BE49-F238E27FC236}">
-                <a16:creationId xmlns="" xmlns:a16="http://schemas.microsoft.com/office/drawing/2014/main" id="{D2C56B0F-8686-E046-B707-D534C7BD9825}"/>
+                <a16:creationId xmlns:a16="http://schemas.microsoft.com/office/drawing/2014/main" xmlns="" id="{D2C56B0F-8686-E046-B707-D534C7BD9825}"/>
               </a:ext>
             </a:extLst>
           </p:cNvPr>
@@ -1851,7 +1851,7 @@
             <a:fld id="{DBF92561-729A-48D5-94E6-9267DA349FF4}" type="datetimeFigureOut">
               <a:rPr lang="zh-TW" altLang="en-US" smtClean="0"/>
               <a:pPr/>
-              <a:t>2020/8/23</a:t>
+              <a:t>2020/8/25</a:t>
             </a:fld>
             <a:endParaRPr lang="zh-TW" altLang="en-US"/>
           </a:p>
@@ -1862,7 +1862,7 @@
           <p:cNvPr id="8" name="頁尾版面配置區 7">
             <a:extLst>
               <a:ext uri="{FF2B5EF4-FFF2-40B4-BE49-F238E27FC236}">
-                <a16:creationId xmlns="" xmlns:a16="http://schemas.microsoft.com/office/drawing/2014/main" id="{DB9B85C5-CC9C-294B-8794-6F4BDC2F36D1}"/>
+                <a16:creationId xmlns:a16="http://schemas.microsoft.com/office/drawing/2014/main" xmlns="" id="{DB9B85C5-CC9C-294B-8794-6F4BDC2F36D1}"/>
               </a:ext>
             </a:extLst>
           </p:cNvPr>
@@ -1887,7 +1887,7 @@
           <p:cNvPr id="9" name="投影片編號版面配置區 8">
             <a:extLst>
               <a:ext uri="{FF2B5EF4-FFF2-40B4-BE49-F238E27FC236}">
-                <a16:creationId xmlns="" xmlns:a16="http://schemas.microsoft.com/office/drawing/2014/main" id="{B5148C7D-CEF8-E94B-A998-7F28F10DA343}"/>
+                <a16:creationId xmlns:a16="http://schemas.microsoft.com/office/drawing/2014/main" xmlns="" id="{B5148C7D-CEF8-E94B-A998-7F28F10DA343}"/>
               </a:ext>
             </a:extLst>
           </p:cNvPr>
@@ -1915,7 +1915,7 @@
     </p:spTree>
     <p:extLst>
       <p:ext uri="{BB962C8B-B14F-4D97-AF65-F5344CB8AC3E}">
-        <p14:creationId xmlns="" xmlns:p14="http://schemas.microsoft.com/office/powerpoint/2010/main" val="3664290372"/>
+        <p14:creationId xmlns:p14="http://schemas.microsoft.com/office/powerpoint/2010/main" xmlns="" val="3664290372"/>
       </p:ext>
     </p:extLst>
   </p:cSld>
@@ -1947,7 +1947,7 @@
           <p:cNvPr id="2" name="標題 1">
             <a:extLst>
               <a:ext uri="{FF2B5EF4-FFF2-40B4-BE49-F238E27FC236}">
-                <a16:creationId xmlns="" xmlns:a16="http://schemas.microsoft.com/office/drawing/2014/main" id="{379922D3-3CC5-9E4E-865C-5CA46007ADDB}"/>
+                <a16:creationId xmlns:a16="http://schemas.microsoft.com/office/drawing/2014/main" xmlns="" id="{379922D3-3CC5-9E4E-865C-5CA46007ADDB}"/>
               </a:ext>
             </a:extLst>
           </p:cNvPr>
@@ -1976,7 +1976,7 @@
           <p:cNvPr id="3" name="日期版面配置區 2">
             <a:extLst>
               <a:ext uri="{FF2B5EF4-FFF2-40B4-BE49-F238E27FC236}">
-                <a16:creationId xmlns="" xmlns:a16="http://schemas.microsoft.com/office/drawing/2014/main" id="{3E384834-EB05-0046-8370-9F03A77CCDDD}"/>
+                <a16:creationId xmlns:a16="http://schemas.microsoft.com/office/drawing/2014/main" xmlns="" id="{3E384834-EB05-0046-8370-9F03A77CCDDD}"/>
               </a:ext>
             </a:extLst>
           </p:cNvPr>
@@ -1995,7 +1995,7 @@
             <a:fld id="{DBF92561-729A-48D5-94E6-9267DA349FF4}" type="datetimeFigureOut">
               <a:rPr lang="zh-TW" altLang="en-US" smtClean="0"/>
               <a:pPr/>
-              <a:t>2020/8/23</a:t>
+              <a:t>2020/8/25</a:t>
             </a:fld>
             <a:endParaRPr lang="zh-TW" altLang="en-US"/>
           </a:p>
@@ -2006,7 +2006,7 @@
           <p:cNvPr id="4" name="頁尾版面配置區 3">
             <a:extLst>
               <a:ext uri="{FF2B5EF4-FFF2-40B4-BE49-F238E27FC236}">
-                <a16:creationId xmlns="" xmlns:a16="http://schemas.microsoft.com/office/drawing/2014/main" id="{C20DBCD2-E115-4A4A-AC79-004DD6D3B14E}"/>
+                <a16:creationId xmlns:a16="http://schemas.microsoft.com/office/drawing/2014/main" xmlns="" id="{C20DBCD2-E115-4A4A-AC79-004DD6D3B14E}"/>
               </a:ext>
             </a:extLst>
           </p:cNvPr>
@@ -2031,7 +2031,7 @@
           <p:cNvPr id="5" name="投影片編號版面配置區 4">
             <a:extLst>
               <a:ext uri="{FF2B5EF4-FFF2-40B4-BE49-F238E27FC236}">
-                <a16:creationId xmlns="" xmlns:a16="http://schemas.microsoft.com/office/drawing/2014/main" id="{7981819A-9794-F641-9FA0-3C2DAD44ED62}"/>
+                <a16:creationId xmlns:a16="http://schemas.microsoft.com/office/drawing/2014/main" xmlns="" id="{7981819A-9794-F641-9FA0-3C2DAD44ED62}"/>
               </a:ext>
             </a:extLst>
           </p:cNvPr>
@@ -2059,7 +2059,7 @@
     </p:spTree>
     <p:extLst>
       <p:ext uri="{BB962C8B-B14F-4D97-AF65-F5344CB8AC3E}">
-        <p14:creationId xmlns="" xmlns:p14="http://schemas.microsoft.com/office/powerpoint/2010/main" val="2777712845"/>
+        <p14:creationId xmlns:p14="http://schemas.microsoft.com/office/powerpoint/2010/main" xmlns="" val="2777712845"/>
       </p:ext>
     </p:extLst>
   </p:cSld>
@@ -2091,7 +2091,7 @@
           <p:cNvPr id="2" name="日期版面配置區 1">
             <a:extLst>
               <a:ext uri="{FF2B5EF4-FFF2-40B4-BE49-F238E27FC236}">
-                <a16:creationId xmlns="" xmlns:a16="http://schemas.microsoft.com/office/drawing/2014/main" id="{CF8807CB-41D4-4E40-8452-52E3086B2A10}"/>
+                <a16:creationId xmlns:a16="http://schemas.microsoft.com/office/drawing/2014/main" xmlns="" id="{CF8807CB-41D4-4E40-8452-52E3086B2A10}"/>
               </a:ext>
             </a:extLst>
           </p:cNvPr>
@@ -2110,7 +2110,7 @@
             <a:fld id="{DBF92561-729A-48D5-94E6-9267DA349FF4}" type="datetimeFigureOut">
               <a:rPr lang="zh-TW" altLang="en-US" smtClean="0"/>
               <a:pPr/>
-              <a:t>2020/8/23</a:t>
+              <a:t>2020/8/25</a:t>
             </a:fld>
             <a:endParaRPr lang="zh-TW" altLang="en-US"/>
           </a:p>
@@ -2121,7 +2121,7 @@
           <p:cNvPr id="3" name="頁尾版面配置區 2">
             <a:extLst>
               <a:ext uri="{FF2B5EF4-FFF2-40B4-BE49-F238E27FC236}">
-                <a16:creationId xmlns="" xmlns:a16="http://schemas.microsoft.com/office/drawing/2014/main" id="{7A8DB210-DFF5-9A46-AF0A-80705B8F824A}"/>
+                <a16:creationId xmlns:a16="http://schemas.microsoft.com/office/drawing/2014/main" xmlns="" id="{7A8DB210-DFF5-9A46-AF0A-80705B8F824A}"/>
               </a:ext>
             </a:extLst>
           </p:cNvPr>
@@ -2146,7 +2146,7 @@
           <p:cNvPr id="4" name="投影片編號版面配置區 3">
             <a:extLst>
               <a:ext uri="{FF2B5EF4-FFF2-40B4-BE49-F238E27FC236}">
-                <a16:creationId xmlns="" xmlns:a16="http://schemas.microsoft.com/office/drawing/2014/main" id="{1B95800D-F54F-7C41-B203-C31BB170F633}"/>
+                <a16:creationId xmlns:a16="http://schemas.microsoft.com/office/drawing/2014/main" xmlns="" id="{1B95800D-F54F-7C41-B203-C31BB170F633}"/>
               </a:ext>
             </a:extLst>
           </p:cNvPr>
@@ -2174,7 +2174,7 @@
     </p:spTree>
     <p:extLst>
       <p:ext uri="{BB962C8B-B14F-4D97-AF65-F5344CB8AC3E}">
-        <p14:creationId xmlns="" xmlns:p14="http://schemas.microsoft.com/office/powerpoint/2010/main" val="986871291"/>
+        <p14:creationId xmlns:p14="http://schemas.microsoft.com/office/powerpoint/2010/main" xmlns="" val="986871291"/>
       </p:ext>
     </p:extLst>
   </p:cSld>
@@ -2206,7 +2206,7 @@
           <p:cNvPr id="2" name="標題 1">
             <a:extLst>
               <a:ext uri="{FF2B5EF4-FFF2-40B4-BE49-F238E27FC236}">
-                <a16:creationId xmlns="" xmlns:a16="http://schemas.microsoft.com/office/drawing/2014/main" id="{ACF30DCF-9907-A34B-AEA2-83CF9CED1FE4}"/>
+                <a16:creationId xmlns:a16="http://schemas.microsoft.com/office/drawing/2014/main" xmlns="" id="{ACF30DCF-9907-A34B-AEA2-83CF9CED1FE4}"/>
               </a:ext>
             </a:extLst>
           </p:cNvPr>
@@ -2244,7 +2244,7 @@
           <p:cNvPr id="3" name="內容版面配置區 2">
             <a:extLst>
               <a:ext uri="{FF2B5EF4-FFF2-40B4-BE49-F238E27FC236}">
-                <a16:creationId xmlns="" xmlns:a16="http://schemas.microsoft.com/office/drawing/2014/main" id="{D3A73471-6D3F-734E-B601-95F019CD9451}"/>
+                <a16:creationId xmlns:a16="http://schemas.microsoft.com/office/drawing/2014/main" xmlns="" id="{D3A73471-6D3F-734E-B601-95F019CD9451}"/>
               </a:ext>
             </a:extLst>
           </p:cNvPr>
@@ -2335,7 +2335,7 @@
           <p:cNvPr id="4" name="文字版面配置區 3">
             <a:extLst>
               <a:ext uri="{FF2B5EF4-FFF2-40B4-BE49-F238E27FC236}">
-                <a16:creationId xmlns="" xmlns:a16="http://schemas.microsoft.com/office/drawing/2014/main" id="{76A7D60E-237B-C44E-8AAE-AFD0A11F6C9F}"/>
+                <a16:creationId xmlns:a16="http://schemas.microsoft.com/office/drawing/2014/main" xmlns="" id="{76A7D60E-237B-C44E-8AAE-AFD0A11F6C9F}"/>
               </a:ext>
             </a:extLst>
           </p:cNvPr>
@@ -2406,7 +2406,7 @@
           <p:cNvPr id="5" name="日期版面配置區 4">
             <a:extLst>
               <a:ext uri="{FF2B5EF4-FFF2-40B4-BE49-F238E27FC236}">
-                <a16:creationId xmlns="" xmlns:a16="http://schemas.microsoft.com/office/drawing/2014/main" id="{1C9B3E6A-B097-BD4B-936C-A9394BEA39BC}"/>
+                <a16:creationId xmlns:a16="http://schemas.microsoft.com/office/drawing/2014/main" xmlns="" id="{1C9B3E6A-B097-BD4B-936C-A9394BEA39BC}"/>
               </a:ext>
             </a:extLst>
           </p:cNvPr>
@@ -2425,7 +2425,7 @@
             <a:fld id="{DBF92561-729A-48D5-94E6-9267DA349FF4}" type="datetimeFigureOut">
               <a:rPr lang="zh-TW" altLang="en-US" smtClean="0"/>
               <a:pPr/>
-              <a:t>2020/8/23</a:t>
+              <a:t>2020/8/25</a:t>
             </a:fld>
             <a:endParaRPr lang="zh-TW" altLang="en-US"/>
           </a:p>
@@ -2436,7 +2436,7 @@
           <p:cNvPr id="6" name="頁尾版面配置區 5">
             <a:extLst>
               <a:ext uri="{FF2B5EF4-FFF2-40B4-BE49-F238E27FC236}">
-                <a16:creationId xmlns="" xmlns:a16="http://schemas.microsoft.com/office/drawing/2014/main" id="{31D31A64-7B91-D744-B9B5-CF689E1506C6}"/>
+                <a16:creationId xmlns:a16="http://schemas.microsoft.com/office/drawing/2014/main" xmlns="" id="{31D31A64-7B91-D744-B9B5-CF689E1506C6}"/>
               </a:ext>
             </a:extLst>
           </p:cNvPr>
@@ -2461,7 +2461,7 @@
           <p:cNvPr id="7" name="投影片編號版面配置區 6">
             <a:extLst>
               <a:ext uri="{FF2B5EF4-FFF2-40B4-BE49-F238E27FC236}">
-                <a16:creationId xmlns="" xmlns:a16="http://schemas.microsoft.com/office/drawing/2014/main" id="{AEDEBF86-DA84-4B43-A9AF-945F4566ABEF}"/>
+                <a16:creationId xmlns:a16="http://schemas.microsoft.com/office/drawing/2014/main" xmlns="" id="{AEDEBF86-DA84-4B43-A9AF-945F4566ABEF}"/>
               </a:ext>
             </a:extLst>
           </p:cNvPr>
@@ -2489,7 +2489,7 @@
     </p:spTree>
     <p:extLst>
       <p:ext uri="{BB962C8B-B14F-4D97-AF65-F5344CB8AC3E}">
-        <p14:creationId xmlns="" xmlns:p14="http://schemas.microsoft.com/office/powerpoint/2010/main" val="23213347"/>
+        <p14:creationId xmlns:p14="http://schemas.microsoft.com/office/powerpoint/2010/main" xmlns="" val="23213347"/>
       </p:ext>
     </p:extLst>
   </p:cSld>
@@ -2521,7 +2521,7 @@
           <p:cNvPr id="2" name="標題 1">
             <a:extLst>
               <a:ext uri="{FF2B5EF4-FFF2-40B4-BE49-F238E27FC236}">
-                <a16:creationId xmlns="" xmlns:a16="http://schemas.microsoft.com/office/drawing/2014/main" id="{B5C70D4A-AE95-5C42-946E-DF694DC1564A}"/>
+                <a16:creationId xmlns:a16="http://schemas.microsoft.com/office/drawing/2014/main" xmlns="" id="{B5C70D4A-AE95-5C42-946E-DF694DC1564A}"/>
               </a:ext>
             </a:extLst>
           </p:cNvPr>
@@ -2559,7 +2559,7 @@
           <p:cNvPr id="3" name="圖片版面配置區 2">
             <a:extLst>
               <a:ext uri="{FF2B5EF4-FFF2-40B4-BE49-F238E27FC236}">
-                <a16:creationId xmlns="" xmlns:a16="http://schemas.microsoft.com/office/drawing/2014/main" id="{A6B83E4D-3749-4A4C-ACCB-535E518336A9}"/>
+                <a16:creationId xmlns:a16="http://schemas.microsoft.com/office/drawing/2014/main" xmlns="" id="{A6B83E4D-3749-4A4C-ACCB-535E518336A9}"/>
               </a:ext>
             </a:extLst>
           </p:cNvPr>
@@ -2630,7 +2630,7 @@
           <p:cNvPr id="4" name="文字版面配置區 3">
             <a:extLst>
               <a:ext uri="{FF2B5EF4-FFF2-40B4-BE49-F238E27FC236}">
-                <a16:creationId xmlns="" xmlns:a16="http://schemas.microsoft.com/office/drawing/2014/main" id="{C69C0B2F-B0EF-1542-AE99-6A1B080EAB13}"/>
+                <a16:creationId xmlns:a16="http://schemas.microsoft.com/office/drawing/2014/main" xmlns="" id="{C69C0B2F-B0EF-1542-AE99-6A1B080EAB13}"/>
               </a:ext>
             </a:extLst>
           </p:cNvPr>
@@ -2701,7 +2701,7 @@
           <p:cNvPr id="5" name="日期版面配置區 4">
             <a:extLst>
               <a:ext uri="{FF2B5EF4-FFF2-40B4-BE49-F238E27FC236}">
-                <a16:creationId xmlns="" xmlns:a16="http://schemas.microsoft.com/office/drawing/2014/main" id="{E3E54B22-6229-214B-8F4D-7600D005F776}"/>
+                <a16:creationId xmlns:a16="http://schemas.microsoft.com/office/drawing/2014/main" xmlns="" id="{E3E54B22-6229-214B-8F4D-7600D005F776}"/>
               </a:ext>
             </a:extLst>
           </p:cNvPr>
@@ -2720,7 +2720,7 @@
             <a:fld id="{DBF92561-729A-48D5-94E6-9267DA349FF4}" type="datetimeFigureOut">
               <a:rPr lang="zh-TW" altLang="en-US" smtClean="0"/>
               <a:pPr/>
-              <a:t>2020/8/23</a:t>
+              <a:t>2020/8/25</a:t>
             </a:fld>
             <a:endParaRPr lang="zh-TW" altLang="en-US"/>
           </a:p>
@@ -2731,7 +2731,7 @@
           <p:cNvPr id="6" name="頁尾版面配置區 5">
             <a:extLst>
               <a:ext uri="{FF2B5EF4-FFF2-40B4-BE49-F238E27FC236}">
-                <a16:creationId xmlns="" xmlns:a16="http://schemas.microsoft.com/office/drawing/2014/main" id="{2376469A-75CB-FB4B-BEC5-610A744623CA}"/>
+                <a16:creationId xmlns:a16="http://schemas.microsoft.com/office/drawing/2014/main" xmlns="" id="{2376469A-75CB-FB4B-BEC5-610A744623CA}"/>
               </a:ext>
             </a:extLst>
           </p:cNvPr>
@@ -2756,7 +2756,7 @@
           <p:cNvPr id="7" name="投影片編號版面配置區 6">
             <a:extLst>
               <a:ext uri="{FF2B5EF4-FFF2-40B4-BE49-F238E27FC236}">
-                <a16:creationId xmlns="" xmlns:a16="http://schemas.microsoft.com/office/drawing/2014/main" id="{30C2F057-F043-7541-82CF-BA5971671B46}"/>
+                <a16:creationId xmlns:a16="http://schemas.microsoft.com/office/drawing/2014/main" xmlns="" id="{30C2F057-F043-7541-82CF-BA5971671B46}"/>
               </a:ext>
             </a:extLst>
           </p:cNvPr>
@@ -2784,7 +2784,7 @@
     </p:spTree>
     <p:extLst>
       <p:ext uri="{BB962C8B-B14F-4D97-AF65-F5344CB8AC3E}">
-        <p14:creationId xmlns="" xmlns:p14="http://schemas.microsoft.com/office/powerpoint/2010/main" val="2269181573"/>
+        <p14:creationId xmlns:p14="http://schemas.microsoft.com/office/powerpoint/2010/main" xmlns="" val="2269181573"/>
       </p:ext>
     </p:extLst>
   </p:cSld>
@@ -2821,7 +2821,7 @@
           <p:cNvPr id="2" name="標題版面配置區 1">
             <a:extLst>
               <a:ext uri="{FF2B5EF4-FFF2-40B4-BE49-F238E27FC236}">
-                <a16:creationId xmlns="" xmlns:a16="http://schemas.microsoft.com/office/drawing/2014/main" id="{5ED71FD3-5B78-4747-927E-C1BD6B257248}"/>
+                <a16:creationId xmlns:a16="http://schemas.microsoft.com/office/drawing/2014/main" xmlns="" id="{5ED71FD3-5B78-4747-927E-C1BD6B257248}"/>
               </a:ext>
             </a:extLst>
           </p:cNvPr>
@@ -2859,7 +2859,7 @@
           <p:cNvPr id="3" name="文字版面配置區 2">
             <a:extLst>
               <a:ext uri="{FF2B5EF4-FFF2-40B4-BE49-F238E27FC236}">
-                <a16:creationId xmlns="" xmlns:a16="http://schemas.microsoft.com/office/drawing/2014/main" id="{7CD4B653-4389-2A47-BA5D-8C4B613B8AF2}"/>
+                <a16:creationId xmlns:a16="http://schemas.microsoft.com/office/drawing/2014/main" xmlns="" id="{7CD4B653-4389-2A47-BA5D-8C4B613B8AF2}"/>
               </a:ext>
             </a:extLst>
           </p:cNvPr>
@@ -2926,7 +2926,7 @@
           <p:cNvPr id="4" name="日期版面配置區 3">
             <a:extLst>
               <a:ext uri="{FF2B5EF4-FFF2-40B4-BE49-F238E27FC236}">
-                <a16:creationId xmlns="" xmlns:a16="http://schemas.microsoft.com/office/drawing/2014/main" id="{2F505FC1-80C0-0D4B-98DD-91680D44B579}"/>
+                <a16:creationId xmlns:a16="http://schemas.microsoft.com/office/drawing/2014/main" xmlns="" id="{2F505FC1-80C0-0D4B-98DD-91680D44B579}"/>
               </a:ext>
             </a:extLst>
           </p:cNvPr>
@@ -2963,7 +2963,7 @@
             <a:fld id="{DBF92561-729A-48D5-94E6-9267DA349FF4}" type="datetimeFigureOut">
               <a:rPr lang="zh-TW" altLang="en-US" smtClean="0"/>
               <a:pPr/>
-              <a:t>2020/8/23</a:t>
+              <a:t>2020/8/25</a:t>
             </a:fld>
             <a:endParaRPr lang="zh-TW" altLang="en-US"/>
           </a:p>
@@ -2974,7 +2974,7 @@
           <p:cNvPr id="5" name="頁尾版面配置區 4">
             <a:extLst>
               <a:ext uri="{FF2B5EF4-FFF2-40B4-BE49-F238E27FC236}">
-                <a16:creationId xmlns="" xmlns:a16="http://schemas.microsoft.com/office/drawing/2014/main" id="{07C87FEE-4CD8-7043-A74F-E1139DE2F5B8}"/>
+                <a16:creationId xmlns:a16="http://schemas.microsoft.com/office/drawing/2014/main" xmlns="" id="{07C87FEE-4CD8-7043-A74F-E1139DE2F5B8}"/>
               </a:ext>
             </a:extLst>
           </p:cNvPr>
@@ -3017,7 +3017,7 @@
           <p:cNvPr id="6" name="投影片編號版面配置區 5">
             <a:extLst>
               <a:ext uri="{FF2B5EF4-FFF2-40B4-BE49-F238E27FC236}">
-                <a16:creationId xmlns="" xmlns:a16="http://schemas.microsoft.com/office/drawing/2014/main" id="{8D35E573-CDE2-FB41-ACFD-278C41B80B6A}"/>
+                <a16:creationId xmlns:a16="http://schemas.microsoft.com/office/drawing/2014/main" xmlns="" id="{8D35E573-CDE2-FB41-ACFD-278C41B80B6A}"/>
               </a:ext>
             </a:extLst>
           </p:cNvPr>
@@ -3063,7 +3063,7 @@
     </p:spTree>
     <p:extLst>
       <p:ext uri="{BB962C8B-B14F-4D97-AF65-F5344CB8AC3E}">
-        <p14:creationId xmlns="" xmlns:p14="http://schemas.microsoft.com/office/powerpoint/2010/main" val="2246312702"/>
+        <p14:creationId xmlns:p14="http://schemas.microsoft.com/office/powerpoint/2010/main" xmlns="" val="2246312702"/>
       </p:ext>
     </p:extLst>
   </p:cSld>
@@ -5817,7 +5817,7 @@
   <a:extraClrSchemeLst/>
   <a:extLst>
     <a:ext uri="{05A4C25C-085E-4340-85A3-A5531E510DB2}">
-      <thm15:themeFamily xmlns="" xmlns:thm15="http://schemas.microsoft.com/office/thememl/2012/main" name="Office Theme" id="{62F939B6-93AF-4DB8-9C6B-D6C7DFDC589F}" vid="{4A3C46E8-61CC-4603-A589-7422A47A8E4A}"/>
+      <thm15:themeFamily xmlns:thm15="http://schemas.microsoft.com/office/thememl/2012/main" xmlns="" name="Office Theme" id="{62F939B6-93AF-4DB8-9C6B-D6C7DFDC589F}" vid="{4A3C46E8-61CC-4603-A589-7422A47A8E4A}"/>
     </a:ext>
   </a:extLst>
 </a:theme>
